--- a/Submission1/Task_1_Presentation.pptx
+++ b/Submission1/Task_1_Presentation.pptx
@@ -7,8 +7,8 @@
   <p:sldIdLst>
     <p:sldId id="256" r:id="rId2"/>
     <p:sldId id="261" r:id="rId3"/>
-    <p:sldId id="257" r:id="rId4"/>
-    <p:sldId id="258" r:id="rId5"/>
+    <p:sldId id="258" r:id="rId4"/>
+    <p:sldId id="267" r:id="rId5"/>
     <p:sldId id="259" r:id="rId6"/>
     <p:sldId id="260" r:id="rId7"/>
     <p:sldId id="265" r:id="rId8"/>
@@ -112,6 +112,11 @@
       </a:defRPr>
     </a:lvl9pPr>
   </p:defaultTextStyle>
+  <p:extLst>
+    <p:ext uri="{EFAFB233-063F-42B5-8137-9DF3F51BA10A}">
+      <p15:sldGuideLst xmlns:p15="http://schemas.microsoft.com/office/powerpoint/2012/main"/>
+    </p:ext>
+  </p:extLst>
 </p:presentation>
 </file>
 
@@ -804,7 +809,7 @@
           <a:p>
             <a:fld id="{C2A77455-39BA-4BA9-B524-972336B016BE}" type="datetimeFigureOut">
               <a:rPr lang="en-US" smtClean="0"/>
-              <a:t>12/26/2023</a:t>
+              <a:t>12/27/2023</a:t>
             </a:fld>
             <a:endParaRPr lang="en-US"/>
           </a:p>
@@ -1965,7 +1970,7 @@
           <a:p>
             <a:fld id="{C2A77455-39BA-4BA9-B524-972336B016BE}" type="datetimeFigureOut">
               <a:rPr lang="en-US" smtClean="0"/>
-              <a:t>12/26/2023</a:t>
+              <a:t>12/27/2023</a:t>
             </a:fld>
             <a:endParaRPr lang="en-US"/>
           </a:p>
@@ -3019,7 +3024,7 @@
           <a:p>
             <a:fld id="{C2A77455-39BA-4BA9-B524-972336B016BE}" type="datetimeFigureOut">
               <a:rPr lang="en-US" smtClean="0"/>
-              <a:t>12/26/2023</a:t>
+              <a:t>12/27/2023</a:t>
             </a:fld>
             <a:endParaRPr lang="en-US"/>
           </a:p>
@@ -4232,7 +4237,7 @@
           <a:p>
             <a:fld id="{C2A77455-39BA-4BA9-B524-972336B016BE}" type="datetimeFigureOut">
               <a:rPr lang="en-US" smtClean="0"/>
-              <a:t>12/26/2023</a:t>
+              <a:t>12/27/2023</a:t>
             </a:fld>
             <a:endParaRPr lang="en-US"/>
           </a:p>
@@ -5336,7 +5341,7 @@
           <a:p>
             <a:fld id="{C2A77455-39BA-4BA9-B524-972336B016BE}" type="datetimeFigureOut">
               <a:rPr lang="en-US" smtClean="0"/>
-              <a:t>12/26/2023</a:t>
+              <a:t>12/27/2023</a:t>
             </a:fld>
             <a:endParaRPr lang="en-US"/>
           </a:p>
@@ -5988,7 +5993,7 @@
           <a:p>
             <a:fld id="{C2A77455-39BA-4BA9-B524-972336B016BE}" type="datetimeFigureOut">
               <a:rPr lang="en-US" smtClean="0"/>
-              <a:t>12/26/2023</a:t>
+              <a:t>12/27/2023</a:t>
             </a:fld>
             <a:endParaRPr lang="en-US"/>
           </a:p>
@@ -6835,7 +6840,7 @@
           <a:p>
             <a:fld id="{C2A77455-39BA-4BA9-B524-972336B016BE}" type="datetimeFigureOut">
               <a:rPr lang="en-US" smtClean="0"/>
-              <a:t>12/26/2023</a:t>
+              <a:t>12/27/2023</a:t>
             </a:fld>
             <a:endParaRPr lang="en-US"/>
           </a:p>
@@ -7020,7 +7025,7 @@
           <a:p>
             <a:fld id="{C2A77455-39BA-4BA9-B524-972336B016BE}" type="datetimeFigureOut">
               <a:rPr lang="en-US" smtClean="0"/>
-              <a:t>12/26/2023</a:t>
+              <a:t>12/27/2023</a:t>
             </a:fld>
             <a:endParaRPr lang="en-US"/>
           </a:p>
@@ -8061,7 +8066,7 @@
           <a:p>
             <a:fld id="{C2A77455-39BA-4BA9-B524-972336B016BE}" type="datetimeFigureOut">
               <a:rPr lang="en-US" smtClean="0"/>
-              <a:t>12/26/2023</a:t>
+              <a:t>12/27/2023</a:t>
             </a:fld>
             <a:endParaRPr lang="en-US"/>
           </a:p>
@@ -8277,7 +8282,7 @@
           <a:p>
             <a:fld id="{C2A77455-39BA-4BA9-B524-972336B016BE}" type="datetimeFigureOut">
               <a:rPr lang="en-US" smtClean="0"/>
-              <a:t>12/26/2023</a:t>
+              <a:t>12/27/2023</a:t>
             </a:fld>
             <a:endParaRPr lang="en-US"/>
           </a:p>
@@ -9382,7 +9387,7 @@
           <a:p>
             <a:fld id="{C2A77455-39BA-4BA9-B524-972336B016BE}" type="datetimeFigureOut">
               <a:rPr lang="en-US" smtClean="0"/>
-              <a:t>12/26/2023</a:t>
+              <a:t>12/27/2023</a:t>
             </a:fld>
             <a:endParaRPr lang="en-US"/>
           </a:p>
@@ -9654,7 +9659,7 @@
           <a:p>
             <a:fld id="{C2A77455-39BA-4BA9-B524-972336B016BE}" type="datetimeFigureOut">
               <a:rPr lang="en-US" smtClean="0"/>
-              <a:t>12/26/2023</a:t>
+              <a:t>12/27/2023</a:t>
             </a:fld>
             <a:endParaRPr lang="en-US"/>
           </a:p>
@@ -10036,7 +10041,7 @@
           <a:p>
             <a:fld id="{C2A77455-39BA-4BA9-B524-972336B016BE}" type="datetimeFigureOut">
               <a:rPr lang="en-US" smtClean="0"/>
-              <a:t>12/26/2023</a:t>
+              <a:t>12/27/2023</a:t>
             </a:fld>
             <a:endParaRPr lang="en-US"/>
           </a:p>
@@ -10154,7 +10159,7 @@
           <a:p>
             <a:fld id="{C2A77455-39BA-4BA9-B524-972336B016BE}" type="datetimeFigureOut">
               <a:rPr lang="en-US" smtClean="0"/>
-              <a:t>12/26/2023</a:t>
+              <a:t>12/27/2023</a:t>
             </a:fld>
             <a:endParaRPr lang="en-US"/>
           </a:p>
@@ -10249,7 +10254,7 @@
           <a:p>
             <a:fld id="{C2A77455-39BA-4BA9-B524-972336B016BE}" type="datetimeFigureOut">
               <a:rPr lang="en-US" smtClean="0"/>
-              <a:t>12/26/2023</a:t>
+              <a:t>12/27/2023</a:t>
             </a:fld>
             <a:endParaRPr lang="en-US"/>
           </a:p>
@@ -11401,7 +11406,7 @@
           <a:p>
             <a:fld id="{C2A77455-39BA-4BA9-B524-972336B016BE}" type="datetimeFigureOut">
               <a:rPr lang="en-US" smtClean="0"/>
-              <a:t>12/26/2023</a:t>
+              <a:t>12/27/2023</a:t>
             </a:fld>
             <a:endParaRPr lang="en-US"/>
           </a:p>
@@ -12577,7 +12582,7 @@
           <a:p>
             <a:fld id="{C2A77455-39BA-4BA9-B524-972336B016BE}" type="datetimeFigureOut">
               <a:rPr lang="en-US" smtClean="0"/>
-              <a:t>12/26/2023</a:t>
+              <a:t>12/27/2023</a:t>
             </a:fld>
             <a:endParaRPr lang="en-US"/>
           </a:p>
@@ -13683,7 +13688,7 @@
           <a:p>
             <a:fld id="{C2A77455-39BA-4BA9-B524-972336B016BE}" type="datetimeFigureOut">
               <a:rPr lang="en-US" smtClean="0"/>
-              <a:t>12/26/2023</a:t>
+              <a:t>12/27/2023</a:t>
             </a:fld>
             <a:endParaRPr lang="en-US"/>
           </a:p>
@@ -14508,7 +14513,7 @@
           <p:cNvPr id="2" name="Title 1">
             <a:extLst>
               <a:ext uri="{FF2B5EF4-FFF2-40B4-BE49-F238E27FC236}">
-                <a16:creationId xmlns:a16="http://schemas.microsoft.com/office/drawing/2014/main" id="{9DC5B6CE-F5C8-7F96-D137-E12E0554F8F4}"/>
+                <a16:creationId xmlns:a16="http://schemas.microsoft.com/office/drawing/2014/main" id="{CB281194-0D3C-8F5D-D63E-03332E0D7287}"/>
               </a:ext>
             </a:extLst>
           </p:cNvPr>
@@ -14526,7 +14531,7 @@
           <a:p>
             <a:r>
               <a:rPr lang="en-US" dirty="0"/>
-              <a:t>Summary</a:t>
+              <a:t>Motivation</a:t>
             </a:r>
           </a:p>
         </p:txBody>
@@ -14536,7 +14541,7 @@
           <p:cNvPr id="3" name="Content Placeholder 2">
             <a:extLst>
               <a:ext uri="{FF2B5EF4-FFF2-40B4-BE49-F238E27FC236}">
-                <a16:creationId xmlns:a16="http://schemas.microsoft.com/office/drawing/2014/main" id="{D3D49E40-23BE-E476-A350-3A0FC7569885}"/>
+                <a16:creationId xmlns:a16="http://schemas.microsoft.com/office/drawing/2014/main" id="{22F6605D-5AB5-4813-D15A-FCDB54E960CB}"/>
               </a:ext>
             </a:extLst>
           </p:cNvPr>
@@ -14552,14 +14557,29 @@
           <a:bodyPr/>
           <a:lstStyle/>
           <a:p>
-            <a:endParaRPr lang="en-US"/>
+            <a:r>
+              <a:rPr lang="en-US" dirty="0"/>
+              <a:t>Enhance text classification models for disaster events and sentiment analysis.</a:t>
+            </a:r>
+          </a:p>
+          <a:p>
+            <a:r>
+              <a:rPr lang="en-US" dirty="0"/>
+              <a:t>Utilize data augmentation techniques.</a:t>
+            </a:r>
+          </a:p>
+          <a:p>
+            <a:r>
+              <a:rPr lang="en-US" dirty="0"/>
+              <a:t>Investigate GPT-2's ability to produce contextually relevant examples for model training</a:t>
+            </a:r>
           </a:p>
         </p:txBody>
       </p:sp>
     </p:spTree>
     <p:extLst>
       <p:ext uri="{BB962C8B-B14F-4D97-AF65-F5344CB8AC3E}">
-        <p14:creationId xmlns:p14="http://schemas.microsoft.com/office/powerpoint/2010/main" val="998012912"/>
+        <p14:creationId xmlns:p14="http://schemas.microsoft.com/office/powerpoint/2010/main" val="1147508319"/>
       </p:ext>
     </p:extLst>
   </p:cSld>
@@ -14609,7 +14629,7 @@
           <a:p>
             <a:r>
               <a:rPr lang="en-US" dirty="0"/>
-              <a:t>Motivation</a:t>
+              <a:t>Contribution</a:t>
             </a:r>
           </a:p>
         </p:txBody>
@@ -14635,14 +14655,29 @@
           <a:bodyPr/>
           <a:lstStyle/>
           <a:p>
-            <a:endParaRPr lang="en-US"/>
+            <a:r>
+              <a:rPr lang="en-US" dirty="0"/>
+              <a:t>Explore and apply data augmentation strategies, focusing on GPT-2.</a:t>
+            </a:r>
+          </a:p>
+          <a:p>
+            <a:r>
+              <a:rPr lang="en-US" dirty="0"/>
+              <a:t>Assess the effectiveness of these methods in improving text classification models.</a:t>
+            </a:r>
+          </a:p>
+          <a:p>
+            <a:r>
+              <a:rPr lang="en-US" dirty="0"/>
+              <a:t>Emphasis on sentiment analysis and disaster-related tasks.</a:t>
+            </a:r>
           </a:p>
         </p:txBody>
       </p:sp>
     </p:spTree>
     <p:extLst>
       <p:ext uri="{BB962C8B-B14F-4D97-AF65-F5344CB8AC3E}">
-        <p14:creationId xmlns:p14="http://schemas.microsoft.com/office/powerpoint/2010/main" val="1147508319"/>
+        <p14:creationId xmlns:p14="http://schemas.microsoft.com/office/powerpoint/2010/main" val="3570761103"/>
       </p:ext>
     </p:extLst>
   </p:cSld>
@@ -14718,7 +14753,36 @@
           <a:bodyPr/>
           <a:lstStyle/>
           <a:p>
-            <a:endParaRPr lang="en-US"/>
+            <a:r>
+              <a:rPr lang="en-US" dirty="0"/>
+              <a:t> Analyze generated data from GPT-2, comparing it to original instances.</a:t>
+            </a:r>
+          </a:p>
+          <a:p>
+            <a:r>
+              <a:rPr lang="en-US" dirty="0"/>
+              <a:t>Use </a:t>
+            </a:r>
+            <a:r>
+              <a:rPr lang="en-US" dirty="0" err="1"/>
+              <a:t>Levenshtein</a:t>
+            </a:r>
+            <a:r>
+              <a:rPr lang="en-US" dirty="0"/>
+              <a:t> distance for similarity calculations.</a:t>
+            </a:r>
+          </a:p>
+          <a:p>
+            <a:r>
+              <a:rPr lang="en-US" dirty="0"/>
+              <a:t>Evaluate examples from specific datasets (SST-2 and West Texas Explosions).</a:t>
+            </a:r>
+          </a:p>
+          <a:p>
+            <a:r>
+              <a:rPr lang="en-US" dirty="0"/>
+              <a:t>Examine different modifications made by the model and the introduction of novel linguistic elements.</a:t>
+            </a:r>
           </a:p>
         </p:txBody>
       </p:sp>
@@ -14801,7 +14865,22 @@
           <a:bodyPr/>
           <a:lstStyle/>
           <a:p>
-            <a:endParaRPr lang="en-US"/>
+            <a:r>
+              <a:rPr lang="en-US" dirty="0"/>
+              <a:t>The proposed method using GPT-2 for data augmentation performs various transformations in text instances.</a:t>
+            </a:r>
+          </a:p>
+          <a:p>
+            <a:r>
+              <a:rPr lang="en-US" dirty="0"/>
+              <a:t>Demonstrates alterations in generated data, including removal, truncation, interpolation, enlargement, and substitution of words.</a:t>
+            </a:r>
+          </a:p>
+          <a:p>
+            <a:r>
+              <a:rPr lang="en-US" dirty="0"/>
+              <a:t>Acknowledges instances of repetition and an increase in duplicates with the amount of created data.</a:t>
+            </a:r>
           </a:p>
         </p:txBody>
       </p:sp>
@@ -14884,7 +14963,10 @@
           <a:bodyPr/>
           <a:lstStyle/>
           <a:p>
-            <a:endParaRPr lang="en-US"/>
+            <a:r>
+              <a:rPr lang="en-US" dirty="0"/>
+              <a:t>First Limitation</a:t>
+            </a:r>
           </a:p>
         </p:txBody>
       </p:sp>
@@ -14909,7 +14991,22 @@
           <a:bodyPr/>
           <a:lstStyle/>
           <a:p>
-            <a:endParaRPr lang="en-US" dirty="0"/>
+            <a:r>
+              <a:rPr lang="en-US" dirty="0"/>
+              <a:t>Difficulty in finding similar counterparts for all generated instances.</a:t>
+            </a:r>
+          </a:p>
+          <a:p>
+            <a:r>
+              <a:rPr lang="en-US" dirty="0"/>
+              <a:t>Raises questions about the origin of some examples.</a:t>
+            </a:r>
+          </a:p>
+          <a:p>
+            <a:r>
+              <a:rPr lang="en-US" dirty="0"/>
+              <a:t>Suggests the model may be learning from diverse sources, impacting interpretability.</a:t>
+            </a:r>
           </a:p>
         </p:txBody>
       </p:sp>
@@ -14934,7 +15031,10 @@
           <a:bodyPr/>
           <a:lstStyle/>
           <a:p>
-            <a:endParaRPr lang="en-US"/>
+            <a:r>
+              <a:rPr lang="en-US" dirty="0"/>
+              <a:t>Second Limitation</a:t>
+            </a:r>
           </a:p>
         </p:txBody>
       </p:sp>
@@ -14959,7 +15059,16 @@
           <a:bodyPr/>
           <a:lstStyle/>
           <a:p>
-            <a:endParaRPr lang="en-US"/>
+            <a:r>
+              <a:rPr lang="en-US" dirty="0"/>
+              <a:t>Model's tendency to produce duplicates, especially with a higher amount of created data.</a:t>
+            </a:r>
+          </a:p>
+          <a:p>
+            <a:r>
+              <a:rPr lang="en-US" dirty="0"/>
+              <a:t>Explained by the higher likelihood of repeat resulting from inherent probabilities associated with specific token sequences.</a:t>
+            </a:r>
           </a:p>
         </p:txBody>
       </p:sp>
@@ -15042,7 +15151,34 @@
           <a:bodyPr/>
           <a:lstStyle/>
           <a:p>
-            <a:endParaRPr lang="en-US" dirty="0"/>
+            <a:r>
+              <a:rPr lang="en-US" dirty="0"/>
+              <a:t>GPT-2 adds diversity and performs various transformations in text instances.</a:t>
+            </a:r>
+          </a:p>
+          <a:p>
+            <a:r>
+              <a:rPr lang="en-US" dirty="0"/>
+              <a:t>Limitations highlight the need for more research.</a:t>
+            </a:r>
+          </a:p>
+          <a:p>
+            <a:r>
+              <a:rPr lang="en-US" dirty="0"/>
+              <a:t>Future research could explore optimal amount of generated data for maximum improvement.</a:t>
+            </a:r>
+          </a:p>
+          <a:p>
+            <a:r>
+              <a:rPr lang="en-US" dirty="0"/>
+              <a:t>Assess the impact of language model size on augmentation effectiveness.</a:t>
+            </a:r>
+          </a:p>
+          <a:p>
+            <a:r>
+              <a:rPr lang="en-US" dirty="0"/>
+              <a:t>Despite limitations, the study offers insightful information about GPT-2's potential for data augmentation in text classification tasks.</a:t>
+            </a:r>
           </a:p>
         </p:txBody>
       </p:sp>
@@ -15076,6 +15212,83 @@
           <a:chExt cx="0" cy="0"/>
         </a:xfrm>
       </p:grpSpPr>
+      <p:sp>
+        <p:nvSpPr>
+          <p:cNvPr id="2" name="Title 1">
+            <a:extLst>
+              <a:ext uri="{FF2B5EF4-FFF2-40B4-BE49-F238E27FC236}">
+                <a16:creationId xmlns:a16="http://schemas.microsoft.com/office/drawing/2014/main" id="{25098D39-6C66-43B6-652E-4602EA169B20}"/>
+              </a:ext>
+            </a:extLst>
+          </p:cNvPr>
+          <p:cNvSpPr>
+            <a:spLocks noGrp="1"/>
+          </p:cNvSpPr>
+          <p:nvPr>
+            <p:ph type="title"/>
+          </p:nvPr>
+        </p:nvSpPr>
+        <p:spPr>
+          <a:xfrm>
+            <a:off x="1154956" y="1644181"/>
+            <a:ext cx="4351023" cy="3569637"/>
+          </a:xfrm>
+        </p:spPr>
+        <p:txBody>
+          <a:bodyPr/>
+          <a:lstStyle/>
+          <a:p>
+            <a:pPr algn="ctr"/>
+            <a:r>
+              <a:rPr lang="en-US" dirty="0"/>
+              <a:t>Thank You!</a:t>
+            </a:r>
+          </a:p>
+        </p:txBody>
+      </p:sp>
+      <p:pic>
+        <p:nvPicPr>
+          <p:cNvPr id="7" name="Picture 6">
+            <a:extLst>
+              <a:ext uri="{FF2B5EF4-FFF2-40B4-BE49-F238E27FC236}">
+                <a16:creationId xmlns:a16="http://schemas.microsoft.com/office/drawing/2014/main" id="{8A06D4E0-FA0E-3AAE-3EE3-AF409CCEC0EC}"/>
+              </a:ext>
+            </a:extLst>
+          </p:cNvPr>
+          <p:cNvPicPr>
+            <a:picLocks noChangeAspect="1"/>
+          </p:cNvPicPr>
+          <p:nvPr/>
+        </p:nvPicPr>
+        <p:blipFill>
+          <a:blip r:embed="rId2">
+            <a:extLst>
+              <a:ext uri="{28A0092B-C50C-407E-A947-70E740481C1C}">
+                <a14:useLocalDpi xmlns:a14="http://schemas.microsoft.com/office/drawing/2010/main" val="0"/>
+              </a:ext>
+            </a:extLst>
+          </a:blip>
+          <a:stretch>
+            <a:fillRect/>
+          </a:stretch>
+        </p:blipFill>
+        <p:spPr>
+          <a:xfrm>
+            <a:off x="7789237" y="1644181"/>
+            <a:ext cx="3377414" cy="3377414"/>
+          </a:xfrm>
+          <a:prstGeom prst="rect">
+            <a:avLst/>
+          </a:prstGeom>
+          <a:effectLst>
+            <a:glow rad="787400">
+              <a:schemeClr val="tx2">
+                <a:alpha val="41000"/>
+              </a:schemeClr>
+            </a:glow>
+          </a:effectLst>
+        </p:spPr>
+      </p:pic>
     </p:spTree>
     <p:extLst>
       <p:ext uri="{BB962C8B-B14F-4D97-AF65-F5344CB8AC3E}">
